--- a/WCMC.Stat.TwoWayMixedANOVA/inst/www/temp.pptx
+++ b/WCMC.Stat.TwoWayMixedANOVA/inst/www/temp.pptx
@@ -242,7 +242,7 @@
           <a:p>
             <a:fld id="{1CB658BD-DBEE-41B2-A6B8-BB896E4B8E7A}" type="datetimeFigureOut">
               <a:rPr lang="en-US" smtClean="0"/>
-              <a:t>2/15/2017</a:t>
+              <a:t>3/6/2017</a:t>
             </a:fld>
             <a:endParaRPr lang="en-US"/>
           </a:p>
@@ -410,7 +410,7 @@
           <a:p>
             <a:fld id="{1CB658BD-DBEE-41B2-A6B8-BB896E4B8E7A}" type="datetimeFigureOut">
               <a:rPr lang="en-US" smtClean="0"/>
-              <a:t>2/15/2017</a:t>
+              <a:t>3/6/2017</a:t>
             </a:fld>
             <a:endParaRPr lang="en-US"/>
           </a:p>
@@ -588,7 +588,7 @@
           <a:p>
             <a:fld id="{1CB658BD-DBEE-41B2-A6B8-BB896E4B8E7A}" type="datetimeFigureOut">
               <a:rPr lang="en-US" smtClean="0"/>
-              <a:t>2/15/2017</a:t>
+              <a:t>3/6/2017</a:t>
             </a:fld>
             <a:endParaRPr lang="en-US"/>
           </a:p>
@@ -756,7 +756,7 @@
           <a:p>
             <a:fld id="{1CB658BD-DBEE-41B2-A6B8-BB896E4B8E7A}" type="datetimeFigureOut">
               <a:rPr lang="en-US" smtClean="0"/>
-              <a:t>2/15/2017</a:t>
+              <a:t>3/6/2017</a:t>
             </a:fld>
             <a:endParaRPr lang="en-US"/>
           </a:p>
@@ -1001,7 +1001,7 @@
           <a:p>
             <a:fld id="{1CB658BD-DBEE-41B2-A6B8-BB896E4B8E7A}" type="datetimeFigureOut">
               <a:rPr lang="en-US" smtClean="0"/>
-              <a:t>2/15/2017</a:t>
+              <a:t>3/6/2017</a:t>
             </a:fld>
             <a:endParaRPr lang="en-US"/>
           </a:p>
@@ -1230,7 +1230,7 @@
           <a:p>
             <a:fld id="{1CB658BD-DBEE-41B2-A6B8-BB896E4B8E7A}" type="datetimeFigureOut">
               <a:rPr lang="en-US" smtClean="0"/>
-              <a:t>2/15/2017</a:t>
+              <a:t>3/6/2017</a:t>
             </a:fld>
             <a:endParaRPr lang="en-US"/>
           </a:p>
@@ -1594,7 +1594,7 @@
           <a:p>
             <a:fld id="{1CB658BD-DBEE-41B2-A6B8-BB896E4B8E7A}" type="datetimeFigureOut">
               <a:rPr lang="en-US" smtClean="0"/>
-              <a:t>2/15/2017</a:t>
+              <a:t>3/6/2017</a:t>
             </a:fld>
             <a:endParaRPr lang="en-US"/>
           </a:p>
@@ -1711,7 +1711,7 @@
           <a:p>
             <a:fld id="{1CB658BD-DBEE-41B2-A6B8-BB896E4B8E7A}" type="datetimeFigureOut">
               <a:rPr lang="en-US" smtClean="0"/>
-              <a:t>2/15/2017</a:t>
+              <a:t>3/6/2017</a:t>
             </a:fld>
             <a:endParaRPr lang="en-US"/>
           </a:p>
@@ -1806,7 +1806,7 @@
           <a:p>
             <a:fld id="{1CB658BD-DBEE-41B2-A6B8-BB896E4B8E7A}" type="datetimeFigureOut">
               <a:rPr lang="en-US" smtClean="0"/>
-              <a:t>2/15/2017</a:t>
+              <a:t>3/6/2017</a:t>
             </a:fld>
             <a:endParaRPr lang="en-US"/>
           </a:p>
@@ -2081,7 +2081,7 @@
           <a:p>
             <a:fld id="{1CB658BD-DBEE-41B2-A6B8-BB896E4B8E7A}" type="datetimeFigureOut">
               <a:rPr lang="en-US" smtClean="0"/>
-              <a:t>2/15/2017</a:t>
+              <a:t>3/6/2017</a:t>
             </a:fld>
             <a:endParaRPr lang="en-US"/>
           </a:p>
@@ -2333,7 +2333,7 @@
           <a:p>
             <a:fld id="{1CB658BD-DBEE-41B2-A6B8-BB896E4B8E7A}" type="datetimeFigureOut">
               <a:rPr lang="en-US" smtClean="0"/>
-              <a:t>2/15/2017</a:t>
+              <a:t>3/6/2017</a:t>
             </a:fld>
             <a:endParaRPr lang="en-US"/>
           </a:p>
@@ -2544,7 +2544,7 @@
           <a:p>
             <a:fld id="{1CB658BD-DBEE-41B2-A6B8-BB896E4B8E7A}" type="datetimeFigureOut">
               <a:rPr lang="en-US" smtClean="0"/>
-              <a:t>2/15/2017</a:t>
+              <a:t>3/6/2017</a:t>
             </a:fld>
             <a:endParaRPr lang="en-US"/>
           </a:p>
@@ -3276,24 +3276,21 @@
       </p:sp>
       <p:cxnSp>
         <p:nvCxnSpPr>
-          <p:cNvPr id="20" name="Straight Arrow Connector 19"/>
-          <p:cNvCxnSpPr/>
+          <p:cNvPr id="10" name="Straight Connector 9"/>
+          <p:cNvCxnSpPr>
+            <a:cxnSpLocks/>
+          </p:cNvCxnSpPr>
           <p:nvPr/>
         </p:nvCxnSpPr>
         <p:spPr>
-          <a:xfrm>
-            <a:off x="3657599" y="1791475"/>
-            <a:ext cx="0" cy="311727"/>
-          </a:xfrm>
-          <a:prstGeom prst="straightConnector1">
+          <a:xfrm flipH="1">
+            <a:off x="3522403" y="2595563"/>
+            <a:ext cx="8849" cy="2080174"/>
+          </a:xfrm>
+          <a:prstGeom prst="line">
             <a:avLst/>
           </a:prstGeom>
-          <a:ln>
-            <a:solidFill>
-              <a:srgbClr val="92D050"/>
-            </a:solidFill>
-            <a:tailEnd type="triangle"/>
-          </a:ln>
+          <a:ln w="38100"/>
         </p:spPr>
         <p:style>
           <a:lnRef idx="1">
@@ -3310,138 +3307,405 @@
           </a:fontRef>
         </p:style>
       </p:cxnSp>
+      <p:sp>
+        <p:nvSpPr>
+          <p:cNvPr id="16" name="TextBox 15"/>
+          <p:cNvSpPr txBox="1"/>
+          <p:nvPr/>
+        </p:nvSpPr>
+        <p:spPr>
+          <a:xfrm rot="10800000">
+            <a:off x="3120579" y="2010688"/>
+            <a:ext cx="461665" cy="2634342"/>
+          </a:xfrm>
+          <a:prstGeom prst="rect">
+            <a:avLst/>
+          </a:prstGeom>
+          <a:noFill/>
+        </p:spPr>
+        <p:txBody>
+          <a:bodyPr vert="eaVert" wrap="square" rtlCol="0">
+            <a:spAutoFit/>
+          </a:bodyPr>
+          <a:lstStyle/>
+          <a:p>
+            <a:r>
+              <a:rPr lang="en-US" dirty="0">
+                <a:solidFill>
+                  <a:schemeClr val="accent1">
+                    <a:lumMod val="75000"/>
+                  </a:schemeClr>
+                </a:solidFill>
+              </a:rPr>
+              <a:t>Compound index</a:t>
+            </a:r>
+          </a:p>
+        </p:txBody>
+      </p:sp>
       <p:cxnSp>
         <p:nvCxnSpPr>
-          <p:cNvPr id="22" name="Straight Arrow Connector 21"/>
+          <p:cNvPr id="18" name="Straight Arrow Connector 17"/>
           <p:cNvCxnSpPr/>
           <p:nvPr/>
         </p:nvCxnSpPr>
         <p:spPr>
-          <a:xfrm flipH="1" flipV="1">
-            <a:off x="8615328" y="2210924"/>
-            <a:ext cx="294083" cy="4156"/>
+          <a:xfrm>
+            <a:off x="3142150" y="2231259"/>
+            <a:ext cx="389102" cy="0"/>
           </a:xfrm>
           <a:prstGeom prst="straightConnector1">
             <a:avLst/>
           </a:prstGeom>
           <a:ln>
-            <a:solidFill>
-              <a:srgbClr val="92D050"/>
-            </a:solidFill>
             <a:tailEnd type="triangle"/>
           </a:ln>
         </p:spPr>
         <p:style>
           <a:lnRef idx="1">
-            <a:schemeClr val="accent1"/>
+            <a:schemeClr val="accent6"/>
           </a:lnRef>
           <a:fillRef idx="0">
-            <a:schemeClr val="accent1"/>
+            <a:schemeClr val="accent6"/>
           </a:fillRef>
           <a:effectRef idx="0">
-            <a:schemeClr val="accent1"/>
+            <a:schemeClr val="accent6"/>
           </a:effectRef>
           <a:fontRef idx="minor">
             <a:schemeClr val="tx1"/>
           </a:fontRef>
         </p:style>
       </p:cxnSp>
-      <p:sp>
-        <p:nvSpPr>
-          <p:cNvPr id="26" name="TextBox 25"/>
-          <p:cNvSpPr txBox="1"/>
+      <p:cxnSp>
+        <p:nvCxnSpPr>
+          <p:cNvPr id="23" name="Straight Arrow Connector 22"/>
+          <p:cNvCxnSpPr/>
           <p:nvPr/>
-        </p:nvSpPr>
-        <p:spPr>
-          <a:xfrm>
-            <a:off x="3126623" y="1576031"/>
-            <a:ext cx="1061951" cy="215444"/>
+        </p:nvCxnSpPr>
+        <p:spPr>
+          <a:xfrm>
+            <a:off x="3142150" y="2344547"/>
+            <a:ext cx="389102" cy="0"/>
+          </a:xfrm>
+          <a:prstGeom prst="straightConnector1">
+            <a:avLst/>
+          </a:prstGeom>
+          <a:ln>
+            <a:tailEnd type="triangle"/>
+          </a:ln>
+        </p:spPr>
+        <p:style>
+          <a:lnRef idx="1">
+            <a:schemeClr val="accent6"/>
+          </a:lnRef>
+          <a:fillRef idx="0">
+            <a:schemeClr val="accent6"/>
+          </a:fillRef>
+          <a:effectRef idx="0">
+            <a:schemeClr val="accent6"/>
+          </a:effectRef>
+          <a:fontRef idx="minor">
+            <a:schemeClr val="tx1"/>
+          </a:fontRef>
+        </p:style>
+      </p:cxnSp>
+      <p:cxnSp>
+        <p:nvCxnSpPr>
+          <p:cNvPr id="24" name="Straight Arrow Connector 23"/>
+          <p:cNvCxnSpPr/>
+          <p:nvPr/>
+        </p:nvCxnSpPr>
+        <p:spPr>
+          <a:xfrm>
+            <a:off x="3142150" y="2449431"/>
+            <a:ext cx="389102" cy="0"/>
+          </a:xfrm>
+          <a:prstGeom prst="straightConnector1">
+            <a:avLst/>
+          </a:prstGeom>
+          <a:ln>
+            <a:tailEnd type="triangle"/>
+          </a:ln>
+        </p:spPr>
+        <p:style>
+          <a:lnRef idx="1">
+            <a:schemeClr val="accent6"/>
+          </a:lnRef>
+          <a:fillRef idx="0">
+            <a:schemeClr val="accent6"/>
+          </a:fillRef>
+          <a:effectRef idx="0">
+            <a:schemeClr val="accent6"/>
+          </a:effectRef>
+          <a:fontRef idx="minor">
+            <a:schemeClr val="tx1"/>
+          </a:fontRef>
+        </p:style>
+      </p:cxnSp>
+      <p:sp>
+        <p:nvSpPr>
+          <p:cNvPr id="19" name="Rectangle 18"/>
+          <p:cNvSpPr/>
+          <p:nvPr/>
+        </p:nvSpPr>
+        <p:spPr>
+          <a:xfrm>
+            <a:off x="2098437" y="2155195"/>
+            <a:ext cx="1032222" cy="121135"/>
           </a:xfrm>
           <a:prstGeom prst="rect">
             <a:avLst/>
           </a:prstGeom>
           <a:noFill/>
-        </p:spPr>
-        <p:txBody>
-          <a:bodyPr wrap="square" rtlCol="0">
-            <a:spAutoFit/>
-          </a:bodyPr>
-          <a:lstStyle/>
-          <a:p>
-            <a:r>
-              <a:rPr lang="en-US" sz="800" dirty="0">
-                <a:solidFill>
-                  <a:srgbClr val="92D050"/>
-                </a:solidFill>
-              </a:rPr>
-              <a:t>Any compound index</a:t>
-            </a:r>
-          </a:p>
-        </p:txBody>
-      </p:sp>
-      <p:sp>
-        <p:nvSpPr>
-          <p:cNvPr id="28" name="TextBox 27"/>
-          <p:cNvSpPr txBox="1"/>
+          <a:ln w="9525" cap="flat" cmpd="sng" algn="ctr">
+            <a:solidFill>
+              <a:schemeClr val="accent6"/>
+            </a:solidFill>
+            <a:prstDash val="solid"/>
+            <a:round/>
+            <a:headEnd type="none" w="med" len="med"/>
+            <a:tailEnd type="none" w="med" len="med"/>
+          </a:ln>
+        </p:spPr>
+        <p:style>
+          <a:lnRef idx="0">
+            <a:scrgbClr r="0" g="0" b="0"/>
+          </a:lnRef>
+          <a:fillRef idx="0">
+            <a:scrgbClr r="0" g="0" b="0"/>
+          </a:fillRef>
+          <a:effectRef idx="0">
+            <a:scrgbClr r="0" g="0" b="0"/>
+          </a:effectRef>
+          <a:fontRef idx="minor">
+            <a:schemeClr val="accent6"/>
+          </a:fontRef>
+        </p:style>
+        <p:txBody>
+          <a:bodyPr rtlCol="0" anchor="ctr"/>
+          <a:lstStyle/>
+          <a:p>
+            <a:pPr algn="ctr"/>
+            <a:r>
+              <a:rPr lang="en-US" sz="600" dirty="0"/>
+              <a:t>Independent factor</a:t>
+            </a:r>
+          </a:p>
+        </p:txBody>
+      </p:sp>
+      <p:sp>
+        <p:nvSpPr>
+          <p:cNvPr id="27" name="Rectangle 26"/>
+          <p:cNvSpPr/>
           <p:nvPr/>
         </p:nvSpPr>
         <p:spPr>
           <a:xfrm>
-            <a:off x="8857949" y="2103202"/>
-            <a:ext cx="976745" cy="215444"/>
+            <a:off x="2098437" y="2276331"/>
+            <a:ext cx="1032222" cy="113872"/>
           </a:xfrm>
           <a:prstGeom prst="rect">
             <a:avLst/>
           </a:prstGeom>
           <a:noFill/>
-        </p:spPr>
-        <p:txBody>
-          <a:bodyPr wrap="square" rtlCol="0">
-            <a:spAutoFit/>
-          </a:bodyPr>
-          <a:lstStyle/>
-          <a:p>
-            <a:r>
-              <a:rPr lang="en-US" sz="800" dirty="0">
-                <a:solidFill>
-                  <a:srgbClr val="92D050"/>
-                </a:solidFill>
-              </a:rPr>
-              <a:t>Any sample index</a:t>
+          <a:ln w="9525" cap="flat" cmpd="sng" algn="ctr">
+            <a:solidFill>
+              <a:schemeClr val="accent6"/>
+            </a:solidFill>
+            <a:prstDash val="solid"/>
+            <a:round/>
+            <a:headEnd type="none" w="med" len="med"/>
+            <a:tailEnd type="none" w="med" len="med"/>
+          </a:ln>
+        </p:spPr>
+        <p:style>
+          <a:lnRef idx="0">
+            <a:scrgbClr r="0" g="0" b="0"/>
+          </a:lnRef>
+          <a:fillRef idx="0">
+            <a:scrgbClr r="0" g="0" b="0"/>
+          </a:fillRef>
+          <a:effectRef idx="0">
+            <a:scrgbClr r="0" g="0" b="0"/>
+          </a:effectRef>
+          <a:fontRef idx="minor">
+            <a:schemeClr val="accent6"/>
+          </a:fontRef>
+        </p:style>
+        <p:txBody>
+          <a:bodyPr rtlCol="0" anchor="ctr"/>
+          <a:lstStyle/>
+          <a:p>
+            <a:pPr algn="ctr"/>
+            <a:r>
+              <a:rPr lang="en-US" sz="600" dirty="0"/>
+              <a:t>Repeated factor</a:t>
             </a:r>
           </a:p>
         </p:txBody>
       </p:sp>
       <p:pic>
         <p:nvPicPr>
-          <p:cNvPr id="6" name="Picture 5"/>
+          <p:cNvPr id="7" name="Picture 6"/>
           <p:cNvPicPr>
             <a:picLocks noChangeAspect="1"/>
           </p:cNvPicPr>
           <p:nvPr/>
         </p:nvPicPr>
         <p:blipFill>
-          <a:blip r:embed="rId4">
-            <a:extLst>
-              <a:ext uri="{28A0092B-C50C-407E-A947-70E740481C1C}">
-                <a14:useLocalDpi xmlns:a14="http://schemas.microsoft.com/office/drawing/2010/main" val="0"/>
-              </a:ext>
-            </a:extLst>
-          </a:blip>
+          <a:blip r:embed="rId4"/>
           <a:stretch>
             <a:fillRect/>
           </a:stretch>
         </p:blipFill>
         <p:spPr>
           <a:xfrm>
-            <a:off x="3377221" y="2150489"/>
-            <a:ext cx="5203665" cy="2677361"/>
+            <a:off x="3547145" y="2226344"/>
+            <a:ext cx="5114081" cy="2468722"/>
           </a:xfrm>
           <a:prstGeom prst="rect">
             <a:avLst/>
           </a:prstGeom>
         </p:spPr>
       </p:pic>
+      <p:sp>
+        <p:nvSpPr>
+          <p:cNvPr id="25" name="Rectangle 24"/>
+          <p:cNvSpPr/>
+          <p:nvPr/>
+        </p:nvSpPr>
+        <p:spPr>
+          <a:xfrm>
+            <a:off x="2098437" y="2390203"/>
+            <a:ext cx="1032222" cy="121134"/>
+          </a:xfrm>
+          <a:prstGeom prst="rect">
+            <a:avLst/>
+          </a:prstGeom>
+          <a:noFill/>
+          <a:ln w="9525" cap="flat" cmpd="sng" algn="ctr">
+            <a:solidFill>
+              <a:srgbClr val="FF0000"/>
+            </a:solidFill>
+            <a:prstDash val="solid"/>
+            <a:round/>
+            <a:headEnd type="none" w="med" len="med"/>
+            <a:tailEnd type="none" w="med" len="med"/>
+          </a:ln>
+        </p:spPr>
+        <p:style>
+          <a:lnRef idx="0">
+            <a:scrgbClr r="0" g="0" b="0"/>
+          </a:lnRef>
+          <a:fillRef idx="0">
+            <a:scrgbClr r="0" g="0" b="0"/>
+          </a:fillRef>
+          <a:effectRef idx="0">
+            <a:scrgbClr r="0" g="0" b="0"/>
+          </a:effectRef>
+          <a:fontRef idx="minor">
+            <a:schemeClr val="accent6"/>
+          </a:fontRef>
+        </p:style>
+        <p:txBody>
+          <a:bodyPr rtlCol="0" anchor="ctr"/>
+          <a:lstStyle/>
+          <a:p>
+            <a:pPr algn="ctr"/>
+            <a:r>
+              <a:rPr lang="en-US" sz="600" dirty="0">
+                <a:solidFill>
+                  <a:srgbClr val="FF0000"/>
+                </a:solidFill>
+              </a:rPr>
+              <a:t>Matching unique sample ID</a:t>
+            </a:r>
+          </a:p>
+        </p:txBody>
+      </p:sp>
+      <p:sp>
+        <p:nvSpPr>
+          <p:cNvPr id="26" name="Rectangle 25"/>
+          <p:cNvSpPr/>
+          <p:nvPr/>
+        </p:nvSpPr>
+        <p:spPr>
+          <a:xfrm>
+            <a:off x="2098437" y="2517846"/>
+            <a:ext cx="1032222" cy="96379"/>
+          </a:xfrm>
+          <a:prstGeom prst="rect">
+            <a:avLst/>
+          </a:prstGeom>
+          <a:noFill/>
+          <a:ln w="9525" cap="flat" cmpd="sng" algn="ctr">
+            <a:solidFill>
+              <a:schemeClr val="accent6"/>
+            </a:solidFill>
+            <a:prstDash val="solid"/>
+            <a:round/>
+            <a:headEnd type="none" w="med" len="med"/>
+            <a:tailEnd type="none" w="med" len="med"/>
+          </a:ln>
+        </p:spPr>
+        <p:style>
+          <a:lnRef idx="0">
+            <a:scrgbClr r="0" g="0" b="0"/>
+          </a:lnRef>
+          <a:fillRef idx="0">
+            <a:scrgbClr r="0" g="0" b="0"/>
+          </a:fillRef>
+          <a:effectRef idx="0">
+            <a:scrgbClr r="0" g="0" b="0"/>
+          </a:effectRef>
+          <a:fontRef idx="minor">
+            <a:schemeClr val="accent6"/>
+          </a:fontRef>
+        </p:style>
+        <p:txBody>
+          <a:bodyPr rtlCol="0" anchor="ctr"/>
+          <a:lstStyle/>
+          <a:p>
+            <a:pPr algn="ctr"/>
+            <a:r>
+              <a:rPr lang="en-US" sz="600" dirty="0"/>
+              <a:t>Sample label</a:t>
+            </a:r>
+          </a:p>
+        </p:txBody>
+      </p:sp>
+      <p:cxnSp>
+        <p:nvCxnSpPr>
+          <p:cNvPr id="28" name="Straight Arrow Connector 27"/>
+          <p:cNvCxnSpPr/>
+          <p:nvPr/>
+        </p:nvCxnSpPr>
+        <p:spPr>
+          <a:xfrm>
+            <a:off x="3142150" y="2552022"/>
+            <a:ext cx="389102" cy="0"/>
+          </a:xfrm>
+          <a:prstGeom prst="straightConnector1">
+            <a:avLst/>
+          </a:prstGeom>
+          <a:ln>
+            <a:tailEnd type="triangle"/>
+          </a:ln>
+        </p:spPr>
+        <p:style>
+          <a:lnRef idx="1">
+            <a:schemeClr val="accent6"/>
+          </a:lnRef>
+          <a:fillRef idx="0">
+            <a:schemeClr val="accent6"/>
+          </a:fillRef>
+          <a:effectRef idx="0">
+            <a:schemeClr val="accent6"/>
+          </a:effectRef>
+          <a:fontRef idx="minor">
+            <a:schemeClr val="tx1"/>
+          </a:fontRef>
+        </p:style>
+      </p:cxnSp>
     </p:spTree>
     <p:extLst>
       <p:ext uri="{BB962C8B-B14F-4D97-AF65-F5344CB8AC3E}">
